--- a/GitHub2_Lib_Pres.pptx
+++ b/GitHub2_Lib_Pres.pptx
@@ -273,6 +273,11 @@
       </a:defRPr>
     </a:lvl9pPr>
   </p:defaultTextStyle>
+  <p:extLst>
+    <p:ext uri="{EFAFB233-063F-42B5-8137-9DF3F51BA10A}">
+      <p15:sldGuideLst xmlns:p15="http://schemas.microsoft.com/office/powerpoint/2012/main"/>
+    </p:ext>
+  </p:extLst>
 </p:presentation>
 </file>
 
@@ -28074,7 +28079,7 @@
         </p:nvSpPr>
         <p:spPr>
           <a:xfrm>
-            <a:off x="6125920" y="2164908"/>
+            <a:off x="6284266" y="2164908"/>
             <a:ext cx="2717635" cy="1177989"/>
           </a:xfrm>
           <a:prstGeom prst="rect">
@@ -28097,14 +28102,14 @@
               <a:buNone/>
             </a:pPr>
             <a:r>
-              <a:rPr lang="en-US" sz="4000" dirty="0">
+              <a:rPr lang="en-US" sz="4400" dirty="0">
                 <a:solidFill>
                   <a:schemeClr val="bg1"/>
                 </a:solidFill>
               </a:rPr>
-              <a:t>OUR TEAM</a:t>
+              <a:t>STEPS</a:t>
             </a:r>
-            <a:endParaRPr sz="4000" dirty="0">
+            <a:endParaRPr sz="4400" dirty="0">
               <a:solidFill>
                 <a:schemeClr val="bg1"/>
               </a:solidFill>
